--- a/SQL相關/資料表格設計.pptx
+++ b/SQL相關/資料表格設計.pptx
@@ -351,7 +351,7 @@
           <a:p>
             <a:fld id="{47766978-1464-402C-B839-AC5383E94C11}" type="datetimeFigureOut">
               <a:rPr lang="zh-TW" altLang="en-US" smtClean="0"/>
-              <a:t>2023/12/4</a:t>
+              <a:t>2023/12/5</a:t>
             </a:fld>
             <a:endParaRPr lang="zh-TW" altLang="en-US"/>
           </a:p>
@@ -559,7 +559,7 @@
           <a:p>
             <a:fld id="{47766978-1464-402C-B839-AC5383E94C11}" type="datetimeFigureOut">
               <a:rPr lang="zh-TW" altLang="en-US" smtClean="0"/>
-              <a:t>2023/12/4</a:t>
+              <a:t>2023/12/5</a:t>
             </a:fld>
             <a:endParaRPr lang="zh-TW" altLang="en-US"/>
           </a:p>
@@ -815,7 +815,7 @@
           <a:p>
             <a:fld id="{47766978-1464-402C-B839-AC5383E94C11}" type="datetimeFigureOut">
               <a:rPr lang="zh-TW" altLang="en-US" smtClean="0"/>
-              <a:t>2023/12/4</a:t>
+              <a:t>2023/12/5</a:t>
             </a:fld>
             <a:endParaRPr lang="zh-TW" altLang="en-US"/>
           </a:p>
@@ -989,7 +989,7 @@
           <a:p>
             <a:fld id="{47766978-1464-402C-B839-AC5383E94C11}" type="datetimeFigureOut">
               <a:rPr lang="zh-TW" altLang="en-US" smtClean="0"/>
-              <a:t>2023/12/4</a:t>
+              <a:t>2023/12/5</a:t>
             </a:fld>
             <a:endParaRPr lang="zh-TW" altLang="en-US"/>
           </a:p>
@@ -1332,7 +1332,7 @@
           <a:p>
             <a:fld id="{47766978-1464-402C-B839-AC5383E94C11}" type="datetimeFigureOut">
               <a:rPr lang="zh-TW" altLang="en-US" smtClean="0"/>
-              <a:t>2023/12/4</a:t>
+              <a:t>2023/12/5</a:t>
             </a:fld>
             <a:endParaRPr lang="zh-TW" altLang="en-US"/>
           </a:p>
@@ -1607,7 +1607,7 @@
           <a:p>
             <a:fld id="{47766978-1464-402C-B839-AC5383E94C11}" type="datetimeFigureOut">
               <a:rPr lang="zh-TW" altLang="en-US" smtClean="0"/>
-              <a:t>2023/12/4</a:t>
+              <a:t>2023/12/5</a:t>
             </a:fld>
             <a:endParaRPr lang="zh-TW" altLang="en-US"/>
           </a:p>
@@ -1986,7 +1986,7 @@
           <a:p>
             <a:fld id="{47766978-1464-402C-B839-AC5383E94C11}" type="datetimeFigureOut">
               <a:rPr lang="zh-TW" altLang="en-US" smtClean="0"/>
-              <a:t>2023/12/4</a:t>
+              <a:t>2023/12/5</a:t>
             </a:fld>
             <a:endParaRPr lang="zh-TW" altLang="en-US"/>
           </a:p>
@@ -2104,7 +2104,7 @@
           <a:p>
             <a:fld id="{47766978-1464-402C-B839-AC5383E94C11}" type="datetimeFigureOut">
               <a:rPr lang="zh-TW" altLang="en-US" smtClean="0"/>
-              <a:t>2023/12/4</a:t>
+              <a:t>2023/12/5</a:t>
             </a:fld>
             <a:endParaRPr lang="zh-TW" altLang="en-US"/>
           </a:p>
@@ -2275,7 +2275,7 @@
           <a:p>
             <a:fld id="{47766978-1464-402C-B839-AC5383E94C11}" type="datetimeFigureOut">
               <a:rPr lang="zh-TW" altLang="en-US" smtClean="0"/>
-              <a:t>2023/12/4</a:t>
+              <a:t>2023/12/5</a:t>
             </a:fld>
             <a:endParaRPr lang="zh-TW" altLang="en-US"/>
           </a:p>
@@ -2629,7 +2629,7 @@
           <a:p>
             <a:fld id="{47766978-1464-402C-B839-AC5383E94C11}" type="datetimeFigureOut">
               <a:rPr lang="zh-TW" altLang="en-US" smtClean="0"/>
-              <a:t>2023/12/4</a:t>
+              <a:t>2023/12/5</a:t>
             </a:fld>
             <a:endParaRPr lang="zh-TW" altLang="en-US"/>
           </a:p>
@@ -3011,7 +3011,7 @@
           <a:p>
             <a:fld id="{47766978-1464-402C-B839-AC5383E94C11}" type="datetimeFigureOut">
               <a:rPr lang="zh-TW" altLang="en-US" smtClean="0"/>
-              <a:t>2023/12/4</a:t>
+              <a:t>2023/12/5</a:t>
             </a:fld>
             <a:endParaRPr lang="zh-TW" altLang="en-US"/>
           </a:p>
@@ -3298,7 +3298,7 @@
           <a:p>
             <a:fld id="{47766978-1464-402C-B839-AC5383E94C11}" type="datetimeFigureOut">
               <a:rPr lang="zh-TW" altLang="en-US" smtClean="0"/>
-              <a:t>2023/12/4</a:t>
+              <a:t>2023/12/5</a:t>
             </a:fld>
             <a:endParaRPr lang="zh-TW" altLang="en-US"/>
           </a:p>
